--- a/2019-nn-mock-election/resources/poster.pptx
+++ b/2019-nn-mock-election/resources/poster.pptx
@@ -243,7 +243,7 @@
           <a:p>
             <a:fld id="{7A18961F-C24A-4C04-B63B-AE5D7EA3234B}" type="datetimeFigureOut">
               <a:rPr lang="en-US" smtClean="0"/>
-              <a:t>11/29/2018</a:t>
+              <a:t>1/22/2019</a:t>
             </a:fld>
             <a:endParaRPr lang="en-US"/>
           </a:p>
@@ -413,7 +413,7 @@
           <a:p>
             <a:fld id="{7A18961F-C24A-4C04-B63B-AE5D7EA3234B}" type="datetimeFigureOut">
               <a:rPr lang="en-US" smtClean="0"/>
-              <a:t>11/29/2018</a:t>
+              <a:t>1/22/2019</a:t>
             </a:fld>
             <a:endParaRPr lang="en-US"/>
           </a:p>
@@ -593,7 +593,7 @@
           <a:p>
             <a:fld id="{7A18961F-C24A-4C04-B63B-AE5D7EA3234B}" type="datetimeFigureOut">
               <a:rPr lang="en-US" smtClean="0"/>
-              <a:t>11/29/2018</a:t>
+              <a:t>1/22/2019</a:t>
             </a:fld>
             <a:endParaRPr lang="en-US"/>
           </a:p>
@@ -763,7 +763,7 @@
           <a:p>
             <a:fld id="{7A18961F-C24A-4C04-B63B-AE5D7EA3234B}" type="datetimeFigureOut">
               <a:rPr lang="en-US" smtClean="0"/>
-              <a:t>11/29/2018</a:t>
+              <a:t>1/22/2019</a:t>
             </a:fld>
             <a:endParaRPr lang="en-US"/>
           </a:p>
@@ -1007,7 +1007,7 @@
           <a:p>
             <a:fld id="{7A18961F-C24A-4C04-B63B-AE5D7EA3234B}" type="datetimeFigureOut">
               <a:rPr lang="en-US" smtClean="0"/>
-              <a:t>11/29/2018</a:t>
+              <a:t>1/22/2019</a:t>
             </a:fld>
             <a:endParaRPr lang="en-US"/>
           </a:p>
@@ -1239,7 +1239,7 @@
           <a:p>
             <a:fld id="{7A18961F-C24A-4C04-B63B-AE5D7EA3234B}" type="datetimeFigureOut">
               <a:rPr lang="en-US" smtClean="0"/>
-              <a:t>11/29/2018</a:t>
+              <a:t>1/22/2019</a:t>
             </a:fld>
             <a:endParaRPr lang="en-US"/>
           </a:p>
@@ -1606,7 +1606,7 @@
           <a:p>
             <a:fld id="{7A18961F-C24A-4C04-B63B-AE5D7EA3234B}" type="datetimeFigureOut">
               <a:rPr lang="en-US" smtClean="0"/>
-              <a:t>11/29/2018</a:t>
+              <a:t>1/22/2019</a:t>
             </a:fld>
             <a:endParaRPr lang="en-US"/>
           </a:p>
@@ -1724,7 +1724,7 @@
           <a:p>
             <a:fld id="{7A18961F-C24A-4C04-B63B-AE5D7EA3234B}" type="datetimeFigureOut">
               <a:rPr lang="en-US" smtClean="0"/>
-              <a:t>11/29/2018</a:t>
+              <a:t>1/22/2019</a:t>
             </a:fld>
             <a:endParaRPr lang="en-US"/>
           </a:p>
@@ -1819,7 +1819,7 @@
           <a:p>
             <a:fld id="{7A18961F-C24A-4C04-B63B-AE5D7EA3234B}" type="datetimeFigureOut">
               <a:rPr lang="en-US" smtClean="0"/>
-              <a:t>11/29/2018</a:t>
+              <a:t>1/22/2019</a:t>
             </a:fld>
             <a:endParaRPr lang="en-US"/>
           </a:p>
@@ -2096,7 +2096,7 @@
           <a:p>
             <a:fld id="{7A18961F-C24A-4C04-B63B-AE5D7EA3234B}" type="datetimeFigureOut">
               <a:rPr lang="en-US" smtClean="0"/>
-              <a:t>11/29/2018</a:t>
+              <a:t>1/22/2019</a:t>
             </a:fld>
             <a:endParaRPr lang="en-US"/>
           </a:p>
@@ -2353,7 +2353,7 @@
           <a:p>
             <a:fld id="{7A18961F-C24A-4C04-B63B-AE5D7EA3234B}" type="datetimeFigureOut">
               <a:rPr lang="en-US" smtClean="0"/>
-              <a:t>11/29/2018</a:t>
+              <a:t>1/22/2019</a:t>
             </a:fld>
             <a:endParaRPr lang="en-US"/>
           </a:p>
@@ -2566,7 +2566,7 @@
           <a:p>
             <a:fld id="{7A18961F-C24A-4C04-B63B-AE5D7EA3234B}" type="datetimeFigureOut">
               <a:rPr lang="en-US" smtClean="0"/>
-              <a:t>11/29/2018</a:t>
+              <a:t>1/22/2019</a:t>
             </a:fld>
             <a:endParaRPr lang="en-US"/>
           </a:p>
@@ -3034,7 +3034,7 @@
         <p:spPr>
           <a:xfrm>
             <a:off x="1699260" y="3655504"/>
-            <a:ext cx="5171066" cy="3524042"/>
+            <a:ext cx="5171066" cy="5416868"/>
           </a:xfrm>
           <a:prstGeom prst="rect">
             <a:avLst/>
@@ -3070,188 +3070,66 @@
             </a:r>
             <a:r>
               <a:rPr lang="en-US" dirty="0" smtClean="0"/>
-              <a:t>some common accessibility concerns in the documents we produce today, all in the context of a mock municipal election</a:t>
+              <a:t>some common accessibility concerns in the documents we produce today, all in the context of a mock municipal election.</a:t>
+            </a:r>
+          </a:p>
+          <a:p>
+            <a:pPr algn="ctr"/>
+            <a:r>
+              <a:rPr lang="en-US" dirty="0" smtClean="0"/>
+              <a:t>We will also work with</a:t>
+            </a:r>
+          </a:p>
+          <a:p>
+            <a:pPr algn="ctr"/>
+            <a:r>
+              <a:rPr lang="en-US" dirty="0" smtClean="0"/>
+              <a:t>Microsoft Excel to tabulate the results.</a:t>
+            </a:r>
+          </a:p>
+          <a:p>
+            <a:pPr algn="ctr"/>
+            <a:endParaRPr lang="en-US" sz="1100" dirty="0"/>
+          </a:p>
+          <a:p>
+            <a:pPr algn="ctr"/>
+            <a:r>
+              <a:rPr lang="en-US" b="1" i="1" dirty="0" smtClean="0"/>
+              <a:t>All staff welcome.</a:t>
+            </a:r>
+          </a:p>
+          <a:p>
+            <a:pPr algn="ctr"/>
+            <a:r>
+              <a:rPr lang="en-US" b="1" i="1" dirty="0" smtClean="0"/>
+              <a:t>All skill levels welcome.</a:t>
+            </a:r>
+          </a:p>
+          <a:p>
+            <a:pPr algn="ctr"/>
+            <a:endParaRPr lang="en-US" sz="1100" dirty="0"/>
+          </a:p>
+          <a:p>
+            <a:pPr algn="ctr"/>
+            <a:r>
+              <a:rPr lang="en-US" dirty="0" smtClean="0"/>
+              <a:t>Each workshop is limited to 10 participants.</a:t>
+            </a:r>
+          </a:p>
+          <a:p>
+            <a:pPr algn="ctr"/>
+            <a:r>
+              <a:rPr lang="en-US" dirty="0" smtClean="0"/>
+              <a:t>All </a:t>
+            </a:r>
+            <a:r>
+              <a:rPr lang="en-US" dirty="0"/>
+              <a:t>workshops will be held in the IT Training Room on Level 3 of the Civic Centre</a:t>
             </a:r>
             <a:r>
               <a:rPr lang="en-US" dirty="0" smtClean="0"/>
               <a:t>.</a:t>
             </a:r>
-            <a:endParaRPr lang="en-US" dirty="0" smtClean="0"/>
-          </a:p>
-          <a:p>
-            <a:pPr algn="ctr"/>
-            <a:r>
-              <a:rPr lang="en-US" dirty="0" smtClean="0"/>
-              <a:t>We will also work with</a:t>
-            </a:r>
-          </a:p>
-          <a:p>
-            <a:pPr algn="ctr"/>
-            <a:r>
-              <a:rPr lang="en-US" dirty="0" smtClean="0"/>
-              <a:t>Microsoft Excel to tabulate the results.</a:t>
-            </a:r>
-          </a:p>
-          <a:p>
-            <a:pPr algn="ctr"/>
-            <a:endParaRPr lang="en-US" sz="1100" dirty="0"/>
-          </a:p>
-          <a:p>
-            <a:pPr algn="ctr"/>
-            <a:r>
-              <a:rPr lang="en-US" b="1" i="1" dirty="0" smtClean="0"/>
-              <a:t>All staff welcome.</a:t>
-            </a:r>
-          </a:p>
-          <a:p>
-            <a:pPr algn="ctr"/>
-            <a:r>
-              <a:rPr lang="en-US" b="1" i="1" dirty="0" smtClean="0"/>
-              <a:t>All skill levels welcome.</a:t>
-            </a:r>
-          </a:p>
-          <a:p>
-            <a:pPr algn="ctr"/>
-            <a:endParaRPr lang="en-US" sz="1100" dirty="0"/>
-          </a:p>
-          <a:p>
-            <a:pPr algn="ctr"/>
-            <a:r>
-              <a:rPr lang="en-US" dirty="0" smtClean="0"/>
-              <a:t>Each workshop is limited to 10 </a:t>
-            </a:r>
-            <a:r>
-              <a:rPr lang="en-US" dirty="0" smtClean="0"/>
-              <a:t>participants</a:t>
-            </a:r>
-            <a:r>
-              <a:rPr lang="en-US" dirty="0" smtClean="0"/>
-              <a:t>.</a:t>
-            </a:r>
-          </a:p>
-          <a:p>
-            <a:pPr algn="ctr"/>
-            <a:r>
-              <a:rPr lang="en-US" dirty="0" smtClean="0"/>
-              <a:t>All </a:t>
-            </a:r>
-            <a:r>
-              <a:rPr lang="en-US" dirty="0"/>
-              <a:t>workshops will be held in the IT Training Room on Level 3 of the Civic Centre.</a:t>
-            </a:r>
-            <a:endParaRPr lang="en-US" dirty="0"/>
-          </a:p>
-        </p:txBody>
-      </p:sp>
-      <p:sp>
-        <p:nvSpPr>
-          <p:cNvPr id="10" name="TextBox 9"/>
-          <p:cNvSpPr txBox="1"/>
-          <p:nvPr/>
-        </p:nvSpPr>
-        <p:spPr>
-          <a:xfrm>
-            <a:off x="1562100" y="7297134"/>
-            <a:ext cx="2473369" cy="1477328"/>
-          </a:xfrm>
-          <a:prstGeom prst="rect">
-            <a:avLst/>
-          </a:prstGeom>
-          <a:noFill/>
-        </p:spPr>
-        <p:txBody>
-          <a:bodyPr wrap="none" rtlCol="0">
-            <a:spAutoFit/>
-          </a:bodyPr>
-          <a:lstStyle/>
-          <a:p>
-            <a:pPr algn="ctr"/>
-            <a:r>
-              <a:rPr lang="en-US" dirty="0" smtClean="0"/>
-              <a:t>Tuesday January 29</a:t>
-            </a:r>
-            <a:r>
-              <a:rPr lang="en-US" baseline="30000" dirty="0" smtClean="0"/>
-              <a:t>th</a:t>
-            </a:r>
-            <a:endParaRPr lang="en-US" dirty="0" smtClean="0"/>
-          </a:p>
-          <a:p>
-            <a:pPr algn="ctr"/>
-            <a:r>
-              <a:rPr lang="en-US" dirty="0" smtClean="0"/>
-              <a:t>9 am to 10:30 am</a:t>
-            </a:r>
-          </a:p>
-          <a:p>
-            <a:pPr algn="ctr"/>
-            <a:endParaRPr lang="en-US" dirty="0" smtClean="0"/>
-          </a:p>
-          <a:p>
-            <a:pPr algn="ctr"/>
-            <a:r>
-              <a:rPr lang="en-US" dirty="0"/>
-              <a:t>Wednesday January 30</a:t>
-            </a:r>
-            <a:r>
-              <a:rPr lang="en-US" baseline="30000" dirty="0"/>
-              <a:t>th</a:t>
-            </a:r>
-            <a:endParaRPr lang="en-US" dirty="0"/>
-          </a:p>
-          <a:p>
-            <a:pPr algn="ctr"/>
-            <a:r>
-              <a:rPr lang="en-US" dirty="0"/>
-              <a:t>2 pm to 3:30 </a:t>
-            </a:r>
-            <a:r>
-              <a:rPr lang="en-US" dirty="0" smtClean="0"/>
-              <a:t>pm</a:t>
-            </a:r>
-            <a:endParaRPr lang="en-US" dirty="0"/>
-          </a:p>
-        </p:txBody>
-      </p:sp>
-      <p:sp>
-        <p:nvSpPr>
-          <p:cNvPr id="12" name="TextBox 11"/>
-          <p:cNvSpPr txBox="1"/>
-          <p:nvPr/>
-        </p:nvSpPr>
-        <p:spPr>
-          <a:xfrm>
-            <a:off x="4434941" y="7297134"/>
-            <a:ext cx="2213235" cy="1754326"/>
-          </a:xfrm>
-          <a:prstGeom prst="rect">
-            <a:avLst/>
-          </a:prstGeom>
-          <a:noFill/>
-        </p:spPr>
-        <p:txBody>
-          <a:bodyPr wrap="none" rtlCol="0">
-            <a:spAutoFit/>
-          </a:bodyPr>
-          <a:lstStyle/>
-          <a:p>
-            <a:pPr algn="ctr"/>
-            <a:r>
-              <a:rPr lang="en-US" dirty="0" smtClean="0"/>
-              <a:t>Thursday January 31</a:t>
-            </a:r>
-            <a:r>
-              <a:rPr lang="en-US" baseline="30000" dirty="0" smtClean="0"/>
-              <a:t>st</a:t>
-            </a:r>
-            <a:endParaRPr lang="en-US" dirty="0" smtClean="0"/>
-          </a:p>
-          <a:p>
-            <a:pPr algn="ctr"/>
-            <a:r>
-              <a:rPr lang="en-US" dirty="0" smtClean="0"/>
-              <a:t>2 pm to 3:30 pm</a:t>
-            </a:r>
           </a:p>
           <a:p>
             <a:pPr algn="ctr"/>
@@ -3260,20 +3138,43 @@
           <a:p>
             <a:pPr algn="ctr"/>
             <a:r>
-              <a:rPr lang="en-US" dirty="0"/>
-              <a:t>Friday February 1</a:t>
-            </a:r>
-            <a:r>
-              <a:rPr lang="en-US" baseline="30000" dirty="0"/>
-              <a:t>st</a:t>
-            </a:r>
-            <a:endParaRPr lang="en-US" dirty="0"/>
+              <a:rPr lang="en-US" b="1" dirty="0"/>
+              <a:t>Tuesday January 29</a:t>
+            </a:r>
+            <a:r>
+              <a:rPr lang="en-US" b="1" baseline="30000" dirty="0"/>
+              <a:t>th</a:t>
+            </a:r>
+            <a:endParaRPr lang="en-US" b="1" dirty="0"/>
           </a:p>
           <a:p>
             <a:pPr algn="ctr"/>
             <a:r>
-              <a:rPr lang="en-US" dirty="0"/>
-              <a:t>9 am to 10:30 am</a:t>
+              <a:rPr lang="en-US" b="1" dirty="0"/>
+              <a:t>2 pm to 3:30 pm</a:t>
+            </a:r>
+          </a:p>
+          <a:p>
+            <a:pPr algn="ctr"/>
+            <a:endParaRPr lang="en-US" b="1" dirty="0"/>
+          </a:p>
+          <a:p>
+            <a:pPr algn="ctr"/>
+            <a:r>
+              <a:rPr lang="en-US" b="1" dirty="0"/>
+              <a:t>Wednesday January 30</a:t>
+            </a:r>
+            <a:r>
+              <a:rPr lang="en-US" b="1" baseline="30000" dirty="0"/>
+              <a:t>th</a:t>
+            </a:r>
+            <a:endParaRPr lang="en-US" b="1" dirty="0"/>
+          </a:p>
+          <a:p>
+            <a:pPr algn="ctr"/>
+            <a:r>
+              <a:rPr lang="en-US" b="1" dirty="0"/>
+              <a:t>2 pm to 3:30 pm</a:t>
             </a:r>
           </a:p>
           <a:p>
